--- a/기타 파일/1011일정.pptx
+++ b/기타 파일/1011일정.pptx
@@ -129,7 +129,6 @@
   </mc:AlternateContent>
   <c:chart>
     <c:title>
-      <c:layout/>
       <c:overlay val="0"/>
       <c:spPr>
         <a:noFill/>
@@ -434,7 +433,6 @@
     </c:plotArea>
     <c:legend>
       <c:legendPos val="b"/>
-      <c:layout/>
       <c:overlay val="0"/>
       <c:spPr>
         <a:noFill/>
@@ -4202,7 +4200,7 @@
         <p:spPr>
           <a:xfrm>
             <a:off x="4721737" y="1052186"/>
-            <a:ext cx="2567835" cy="1754326"/>
+            <a:ext cx="2567835" cy="2031325"/>
           </a:xfrm>
           <a:prstGeom prst="rect">
             <a:avLst/>
@@ -4296,7 +4294,11 @@
             </a:pPr>
             <a:r>
               <a:rPr lang="ko-KR" altLang="en-US" dirty="0" smtClean="0"/>
-              <a:t>맵 데이터 불러오기</a:t>
+              <a:t>데이트 코스 정보 </a:t>
+            </a:r>
+            <a:r>
+              <a:rPr lang="ko-KR" altLang="en-US" dirty="0" smtClean="0"/>
+              <a:t>불러오기</a:t>
             </a:r>
             <a:endParaRPr lang="en-US" altLang="ko-KR" dirty="0" smtClean="0"/>
           </a:p>
@@ -5238,7 +5240,7 @@
           <a:p>
             <a:r>
               <a:rPr lang="ko-KR" altLang="en-US" dirty="0" smtClean="0"/>
-              <a:t>맵 데이터 불러오기</a:t>
+              <a:t>데이트 코스 불러오기</a:t>
             </a:r>
             <a:endParaRPr lang="en-US" altLang="ko-KR" dirty="0" smtClean="0"/>
           </a:p>
